--- a/GenerativeAI_lifecycle.pptx
+++ b/GenerativeAI_lifecycle.pptx
@@ -5789,7 +5789,7 @@
                   <a:schemeClr val="tx2"/>
                 </a:solidFill>
               </a:rPr>
-              <a:t>Responsible AI guardrails</a:t>
+              <a:t>Secure &amp; Responsible AI guardrails</a:t>
             </a:r>
           </a:p>
         </p:txBody>
@@ -6381,7 +6381,7 @@
                   <a:schemeClr val="tx2"/>
                 </a:solidFill>
               </a:rPr>
-              <a:t>Design &amp; implement Responsible AI guardrails, with respect to hallucinations, toxicity, bias, fairness, safety, explainability, data privacy,  etc.</a:t>
+              <a:t>Design &amp; implement security controls &amp; Responsible AI guardrails, with respect to hallucinations, toxicity, bias, fairness, safety, explainability, data privacy,  etc.</a:t>
             </a:r>
           </a:p>
         </p:txBody>
@@ -7577,21 +7577,6 @@
 </file>
 
 <file path=customXml/item1.xml><?xml version="1.0" encoding="utf-8"?>
-<?mso-contentType ?>
-<SharedContentType xmlns="Microsoft.SharePoint.Taxonomy.ContentTypeSync" SourceId="8bea3e1b-47ae-485c-b455-dfdcfd60ed13" ContentTypeId="0x0101007541816EC8D84703978A41D15BDA267001040301" PreviousValue="false"/>
-</file>
-
-<file path=customXml/item2.xml><?xml version="1.0" encoding="utf-8"?>
-<?mso-contentType ?>
-<customXsn xmlns="http://schemas.microsoft.com/office/2006/metadata/customXsn">
-  <xsnLocation/>
-  <cached>True</cached>
-  <openByDefault>True</openByDefault>
-  <xsnScope/>
-</customXsn>
-</file>
-
-<file path=customXml/item3.xml><?xml version="1.0" encoding="utf-8"?>
 <p:properties xmlns:p="http://schemas.microsoft.com/office/2006/metadata/properties" xmlns:xsi="http://www.w3.org/2001/XMLSchema-instance" xmlns:pc="http://schemas.microsoft.com/office/infopath/2007/PartnerControls">
   <documentManagement>
     <IconOverlay xmlns="http://schemas.microsoft.com/sharepoint/v4" xsi:nil="true"/>
@@ -7619,182 +7604,22 @@
 </p:properties>
 </file>
 
-<file path=customXml/item4.xml><?xml version="1.0" encoding="utf-8"?>
+<file path=customXml/item2.xml><?xml version="1.0" encoding="utf-8"?>
 <?mso-contentType ?>
-<spe:Receivers xmlns:spe="http://schemas.microsoft.com/sharepoint/events">
-  <Receiver>
-    <Name>Document ID Generator</Name>
-    <Synchronization>Synchronous</Synchronization>
-    <Type>10001</Type>
-    <SequenceNumber>1000</SequenceNumber>
-    <Assembly>Microsoft.Office.DocumentManagement, Version=14.0.0.0, Culture=neutral, PublicKeyToken=71e9bce111e9429c</Assembly>
-    <Class>Microsoft.Office.DocumentManagement.Internal.DocIdHandler</Class>
-    <Data/>
-    <Filter/>
-  </Receiver>
-  <Receiver>
-    <Name>Document ID Generator</Name>
-    <Synchronization>Synchronous</Synchronization>
-    <Type>10002</Type>
-    <SequenceNumber>1001</SequenceNumber>
-    <Assembly>Microsoft.Office.DocumentManagement, Version=14.0.0.0, Culture=neutral, PublicKeyToken=71e9bce111e9429c</Assembly>
-    <Class>Microsoft.Office.DocumentManagement.Internal.DocIdHandler</Class>
-    <Data/>
-    <Filter/>
-  </Receiver>
-  <Receiver>
-    <Name>Document ID Generator</Name>
-    <Synchronization>Synchronous</Synchronization>
-    <Type>10004</Type>
-    <SequenceNumber>1002</SequenceNumber>
-    <Assembly>Microsoft.Office.DocumentManagement, Version=14.0.0.0, Culture=neutral, PublicKeyToken=71e9bce111e9429c</Assembly>
-    <Class>Microsoft.Office.DocumentManagement.Internal.DocIdHandler</Class>
-    <Data/>
-    <Filter/>
-  </Receiver>
-  <Receiver>
-    <Name>Document ID Generator</Name>
-    <Synchronization>Synchronous</Synchronization>
-    <Type>10006</Type>
-    <SequenceNumber>1003</SequenceNumber>
-    <Assembly>Microsoft.Office.DocumentManagement, Version=14.0.0.0, Culture=neutral, PublicKeyToken=71e9bce111e9429c</Assembly>
-    <Class>Microsoft.Office.DocumentManagement.Internal.DocIdHandler</Class>
-    <Data/>
-    <Filter/>
-  </Receiver>
-  <Receiver>
-    <Name>Document ID Generator</Name>
-    <Synchronization>Synchronous</Synchronization>
-    <Type>10001</Type>
-    <SequenceNumber>1000</SequenceNumber>
-    <Assembly>Microsoft.Office.DocumentManagement, Version=14.0.0.0, Culture=neutral, PublicKeyToken=71e9bce111e9429c</Assembly>
-    <Class>Microsoft.Office.DocumentManagement.Internal.DocIdHandler</Class>
-    <Data/>
-    <Filter/>
-  </Receiver>
-  <Receiver>
-    <Name>Document ID Generator</Name>
-    <Synchronization>Synchronous</Synchronization>
-    <Type>10002</Type>
-    <SequenceNumber>1001</SequenceNumber>
-    <Assembly>Microsoft.Office.DocumentManagement, Version=14.0.0.0, Culture=neutral, PublicKeyToken=71e9bce111e9429c</Assembly>
-    <Class>Microsoft.Office.DocumentManagement.Internal.DocIdHandler</Class>
-    <Data/>
-    <Filter/>
-  </Receiver>
-  <Receiver>
-    <Name>Document ID Generator</Name>
-    <Synchronization>Synchronous</Synchronization>
-    <Type>10004</Type>
-    <SequenceNumber>1002</SequenceNumber>
-    <Assembly>Microsoft.Office.DocumentManagement, Version=14.0.0.0, Culture=neutral, PublicKeyToken=71e9bce111e9429c</Assembly>
-    <Class>Microsoft.Office.DocumentManagement.Internal.DocIdHandler</Class>
-    <Data/>
-    <Filter/>
-  </Receiver>
-  <Receiver>
-    <Name>Document ID Generator</Name>
-    <Synchronization>Synchronous</Synchronization>
-    <Type>10006</Type>
-    <SequenceNumber>1003</SequenceNumber>
-    <Assembly>Microsoft.Office.DocumentManagement, Version=14.0.0.0, Culture=neutral, PublicKeyToken=71e9bce111e9429c</Assembly>
-    <Class>Microsoft.Office.DocumentManagement.Internal.DocIdHandler</Class>
-    <Data/>
-    <Filter/>
-  </Receiver>
-  <Receiver>
-    <Name>Document ID Generator</Name>
-    <Synchronization>Synchronous</Synchronization>
-    <Type>10001</Type>
-    <SequenceNumber>1000</SequenceNumber>
-    <Assembly>Microsoft.Office.DocumentManagement, Version=14.0.0.0, Culture=neutral, PublicKeyToken=71e9bce111e9429c</Assembly>
-    <Class>Microsoft.Office.DocumentManagement.Internal.DocIdHandler</Class>
-    <Data/>
-    <Filter/>
-  </Receiver>
-  <Receiver>
-    <Name>Document ID Generator</Name>
-    <Synchronization>Synchronous</Synchronization>
-    <Type>10002</Type>
-    <SequenceNumber>1001</SequenceNumber>
-    <Assembly>Microsoft.Office.DocumentManagement, Version=14.0.0.0, Culture=neutral, PublicKeyToken=71e9bce111e9429c</Assembly>
-    <Class>Microsoft.Office.DocumentManagement.Internal.DocIdHandler</Class>
-    <Data/>
-    <Filter/>
-  </Receiver>
-  <Receiver>
-    <Name>Document ID Generator</Name>
-    <Synchronization>Synchronous</Synchronization>
-    <Type>10004</Type>
-    <SequenceNumber>1002</SequenceNumber>
-    <Assembly>Microsoft.Office.DocumentManagement, Version=14.0.0.0, Culture=neutral, PublicKeyToken=71e9bce111e9429c</Assembly>
-    <Class>Microsoft.Office.DocumentManagement.Internal.DocIdHandler</Class>
-    <Data/>
-    <Filter/>
-  </Receiver>
-  <Receiver>
-    <Name>Document ID Generator</Name>
-    <Synchronization>Synchronous</Synchronization>
-    <Type>10006</Type>
-    <SequenceNumber>1003</SequenceNumber>
-    <Assembly>Microsoft.Office.DocumentManagement, Version=14.0.0.0, Culture=neutral, PublicKeyToken=71e9bce111e9429c</Assembly>
-    <Class>Microsoft.Office.DocumentManagement.Internal.DocIdHandler</Class>
-    <Data/>
-    <Filter/>
-  </Receiver>
-  <Receiver>
-    <Name>Document ID Generator</Name>
-    <Synchronization>Synchronous</Synchronization>
-    <Type>10001</Type>
-    <SequenceNumber>1000</SequenceNumber>
-    <Assembly>Microsoft.Office.DocumentManagement, Version=14.0.0.0, Culture=neutral, PublicKeyToken=71e9bce111e9429c</Assembly>
-    <Class>Microsoft.Office.DocumentManagement.Internal.DocIdHandler</Class>
-    <Data/>
-    <Filter/>
-  </Receiver>
-  <Receiver>
-    <Name>Document ID Generator</Name>
-    <Synchronization>Synchronous</Synchronization>
-    <Type>10002</Type>
-    <SequenceNumber>1001</SequenceNumber>
-    <Assembly>Microsoft.Office.DocumentManagement, Version=14.0.0.0, Culture=neutral, PublicKeyToken=71e9bce111e9429c</Assembly>
-    <Class>Microsoft.Office.DocumentManagement.Internal.DocIdHandler</Class>
-    <Data/>
-    <Filter/>
-  </Receiver>
-  <Receiver>
-    <Name>Document ID Generator</Name>
-    <Synchronization>Synchronous</Synchronization>
-    <Type>10004</Type>
-    <SequenceNumber>1002</SequenceNumber>
-    <Assembly>Microsoft.Office.DocumentManagement, Version=14.0.0.0, Culture=neutral, PublicKeyToken=71e9bce111e9429c</Assembly>
-    <Class>Microsoft.Office.DocumentManagement.Internal.DocIdHandler</Class>
-    <Data/>
-    <Filter/>
-  </Receiver>
-  <Receiver>
-    <Name>Document ID Generator</Name>
-    <Synchronization>Synchronous</Synchronization>
-    <Type>10006</Type>
-    <SequenceNumber>1003</SequenceNumber>
-    <Assembly>Microsoft.Office.DocumentManagement, Version=14.0.0.0, Culture=neutral, PublicKeyToken=71e9bce111e9429c</Assembly>
-    <Class>Microsoft.Office.DocumentManagement.Internal.DocIdHandler</Class>
-    <Data/>
-    <Filter/>
-  </Receiver>
-</spe:Receivers>
+<customXsn xmlns="http://schemas.microsoft.com/office/2006/metadata/customXsn">
+  <xsnLocation/>
+  <cached>True</cached>
+  <openByDefault>True</openByDefault>
+  <xsnScope/>
+</customXsn>
 </file>
 
-<file path=customXml/item5.xml><?xml version="1.0" encoding="utf-8"?>
+<file path=customXml/item3.xml><?xml version="1.0" encoding="utf-8"?>
 <?mso-contentType ?>
-<FormTemplates xmlns="http://schemas.microsoft.com/sharepoint/v3/contenttype/forms">
-  <Display>DocumentLibraryForm</Display>
-  <Edit>DocumentLibraryForm</Edit>
-  <New>DocumentLibraryForm</New>
-</FormTemplates>
+<SharedContentType xmlns="Microsoft.SharePoint.Taxonomy.ContentTypeSync" SourceId="8bea3e1b-47ae-485c-b455-dfdcfd60ed13" ContentTypeId="0x0101007541816EC8D84703978A41D15BDA267001040301" PreviousValue="false"/>
 </file>
 
-<file path=customXml/item6.xml><?xml version="1.0" encoding="utf-8"?>
+<file path=customXml/item4.xml><?xml version="1.0" encoding="utf-8"?>
 <ct:contentTypeSchema xmlns:ct="http://schemas.microsoft.com/office/2006/metadata/contentType" xmlns:ma="http://schemas.microsoft.com/office/2006/metadata/properties/metaAttributes" ct:_="" ma:_="" ma:contentTypeName="Document" ma:contentTypeID="0x0101007541816EC8D84703978A41D15BDA26700104030100396E95DB2A005C458AEBDC34C9E88C7D003FC46DBEC63B3146A87458FCAFD23BCB" ma:contentTypeVersion="28" ma:contentTypeDescription="" ma:contentTypeScope="" ma:versionID="ff80c9106a70542dba3f0d08e36574c6">
   <xsd:schema xmlns:xsd="http://www.w3.org/2001/XMLSchema" xmlns:xs="http://www.w3.org/2001/XMLSchema" xmlns:p="http://schemas.microsoft.com/office/2006/metadata/properties" xmlns:ns1="http://schemas.microsoft.com/sharepoint/v3" xmlns:ns2="04b82809-846a-45d8-922e-09a62fce45fb" xmlns:ns3="4b6186ed-e8a3-4319-bb64-48815891aa63" xmlns:ns4="http://schemas.microsoft.com/sharepoint/v4" targetNamespace="http://schemas.microsoft.com/office/2006/metadata/properties" ma:root="true" ma:fieldsID="ba83943c243f68d1312cd78f6e4c811a" ns1:_="" ns2:_="" ns3:_="" ns4:_="">
     <xsd:import namespace="http://schemas.microsoft.com/sharepoint/v3"/>
@@ -8059,23 +7884,182 @@
 </ct:contentTypeSchema>
 </file>
 
-<file path=customXml/itemProps1.xml><?xml version="1.0" encoding="utf-8"?>
-<ds:datastoreItem xmlns:ds="http://schemas.openxmlformats.org/officeDocument/2006/customXml" ds:itemID="{D516AADE-CA40-4ECD-8442-C8DB3ADD0891}">
-  <ds:schemaRefs>
-    <ds:schemaRef ds:uri="Microsoft.SharePoint.Taxonomy.ContentTypeSync"/>
-  </ds:schemaRefs>
-</ds:datastoreItem>
+<file path=customXml/item5.xml><?xml version="1.0" encoding="utf-8"?>
+<?mso-contentType ?>
+<FormTemplates xmlns="http://schemas.microsoft.com/sharepoint/v3/contenttype/forms">
+  <Display>DocumentLibraryForm</Display>
+  <Edit>DocumentLibraryForm</Edit>
+  <New>DocumentLibraryForm</New>
+</FormTemplates>
 </file>
 
-<file path=customXml/itemProps2.xml><?xml version="1.0" encoding="utf-8"?>
-<ds:datastoreItem xmlns:ds="http://schemas.openxmlformats.org/officeDocument/2006/customXml" ds:itemID="{E8953E6F-761D-4711-8C2A-F792CF922FA7}">
-  <ds:schemaRefs>
-    <ds:schemaRef ds:uri="http://schemas.microsoft.com/office/2006/metadata/customXsn"/>
-  </ds:schemaRefs>
-</ds:datastoreItem>
+<file path=customXml/item6.xml><?xml version="1.0" encoding="utf-8"?>
+<?mso-contentType ?>
+<spe:Receivers xmlns:spe="http://schemas.microsoft.com/sharepoint/events">
+  <Receiver>
+    <Name>Document ID Generator</Name>
+    <Synchronization>Synchronous</Synchronization>
+    <Type>10001</Type>
+    <SequenceNumber>1000</SequenceNumber>
+    <Assembly>Microsoft.Office.DocumentManagement, Version=14.0.0.0, Culture=neutral, PublicKeyToken=71e9bce111e9429c</Assembly>
+    <Class>Microsoft.Office.DocumentManagement.Internal.DocIdHandler</Class>
+    <Data/>
+    <Filter/>
+  </Receiver>
+  <Receiver>
+    <Name>Document ID Generator</Name>
+    <Synchronization>Synchronous</Synchronization>
+    <Type>10002</Type>
+    <SequenceNumber>1001</SequenceNumber>
+    <Assembly>Microsoft.Office.DocumentManagement, Version=14.0.0.0, Culture=neutral, PublicKeyToken=71e9bce111e9429c</Assembly>
+    <Class>Microsoft.Office.DocumentManagement.Internal.DocIdHandler</Class>
+    <Data/>
+    <Filter/>
+  </Receiver>
+  <Receiver>
+    <Name>Document ID Generator</Name>
+    <Synchronization>Synchronous</Synchronization>
+    <Type>10004</Type>
+    <SequenceNumber>1002</SequenceNumber>
+    <Assembly>Microsoft.Office.DocumentManagement, Version=14.0.0.0, Culture=neutral, PublicKeyToken=71e9bce111e9429c</Assembly>
+    <Class>Microsoft.Office.DocumentManagement.Internal.DocIdHandler</Class>
+    <Data/>
+    <Filter/>
+  </Receiver>
+  <Receiver>
+    <Name>Document ID Generator</Name>
+    <Synchronization>Synchronous</Synchronization>
+    <Type>10006</Type>
+    <SequenceNumber>1003</SequenceNumber>
+    <Assembly>Microsoft.Office.DocumentManagement, Version=14.0.0.0, Culture=neutral, PublicKeyToken=71e9bce111e9429c</Assembly>
+    <Class>Microsoft.Office.DocumentManagement.Internal.DocIdHandler</Class>
+    <Data/>
+    <Filter/>
+  </Receiver>
+  <Receiver>
+    <Name>Document ID Generator</Name>
+    <Synchronization>Synchronous</Synchronization>
+    <Type>10001</Type>
+    <SequenceNumber>1000</SequenceNumber>
+    <Assembly>Microsoft.Office.DocumentManagement, Version=14.0.0.0, Culture=neutral, PublicKeyToken=71e9bce111e9429c</Assembly>
+    <Class>Microsoft.Office.DocumentManagement.Internal.DocIdHandler</Class>
+    <Data/>
+    <Filter/>
+  </Receiver>
+  <Receiver>
+    <Name>Document ID Generator</Name>
+    <Synchronization>Synchronous</Synchronization>
+    <Type>10002</Type>
+    <SequenceNumber>1001</SequenceNumber>
+    <Assembly>Microsoft.Office.DocumentManagement, Version=14.0.0.0, Culture=neutral, PublicKeyToken=71e9bce111e9429c</Assembly>
+    <Class>Microsoft.Office.DocumentManagement.Internal.DocIdHandler</Class>
+    <Data/>
+    <Filter/>
+  </Receiver>
+  <Receiver>
+    <Name>Document ID Generator</Name>
+    <Synchronization>Synchronous</Synchronization>
+    <Type>10004</Type>
+    <SequenceNumber>1002</SequenceNumber>
+    <Assembly>Microsoft.Office.DocumentManagement, Version=14.0.0.0, Culture=neutral, PublicKeyToken=71e9bce111e9429c</Assembly>
+    <Class>Microsoft.Office.DocumentManagement.Internal.DocIdHandler</Class>
+    <Data/>
+    <Filter/>
+  </Receiver>
+  <Receiver>
+    <Name>Document ID Generator</Name>
+    <Synchronization>Synchronous</Synchronization>
+    <Type>10006</Type>
+    <SequenceNumber>1003</SequenceNumber>
+    <Assembly>Microsoft.Office.DocumentManagement, Version=14.0.0.0, Culture=neutral, PublicKeyToken=71e9bce111e9429c</Assembly>
+    <Class>Microsoft.Office.DocumentManagement.Internal.DocIdHandler</Class>
+    <Data/>
+    <Filter/>
+  </Receiver>
+  <Receiver>
+    <Name>Document ID Generator</Name>
+    <Synchronization>Synchronous</Synchronization>
+    <Type>10001</Type>
+    <SequenceNumber>1000</SequenceNumber>
+    <Assembly>Microsoft.Office.DocumentManagement, Version=14.0.0.0, Culture=neutral, PublicKeyToken=71e9bce111e9429c</Assembly>
+    <Class>Microsoft.Office.DocumentManagement.Internal.DocIdHandler</Class>
+    <Data/>
+    <Filter/>
+  </Receiver>
+  <Receiver>
+    <Name>Document ID Generator</Name>
+    <Synchronization>Synchronous</Synchronization>
+    <Type>10002</Type>
+    <SequenceNumber>1001</SequenceNumber>
+    <Assembly>Microsoft.Office.DocumentManagement, Version=14.0.0.0, Culture=neutral, PublicKeyToken=71e9bce111e9429c</Assembly>
+    <Class>Microsoft.Office.DocumentManagement.Internal.DocIdHandler</Class>
+    <Data/>
+    <Filter/>
+  </Receiver>
+  <Receiver>
+    <Name>Document ID Generator</Name>
+    <Synchronization>Synchronous</Synchronization>
+    <Type>10004</Type>
+    <SequenceNumber>1002</SequenceNumber>
+    <Assembly>Microsoft.Office.DocumentManagement, Version=14.0.0.0, Culture=neutral, PublicKeyToken=71e9bce111e9429c</Assembly>
+    <Class>Microsoft.Office.DocumentManagement.Internal.DocIdHandler</Class>
+    <Data/>
+    <Filter/>
+  </Receiver>
+  <Receiver>
+    <Name>Document ID Generator</Name>
+    <Synchronization>Synchronous</Synchronization>
+    <Type>10006</Type>
+    <SequenceNumber>1003</SequenceNumber>
+    <Assembly>Microsoft.Office.DocumentManagement, Version=14.0.0.0, Culture=neutral, PublicKeyToken=71e9bce111e9429c</Assembly>
+    <Class>Microsoft.Office.DocumentManagement.Internal.DocIdHandler</Class>
+    <Data/>
+    <Filter/>
+  </Receiver>
+  <Receiver>
+    <Name>Document ID Generator</Name>
+    <Synchronization>Synchronous</Synchronization>
+    <Type>10001</Type>
+    <SequenceNumber>1000</SequenceNumber>
+    <Assembly>Microsoft.Office.DocumentManagement, Version=14.0.0.0, Culture=neutral, PublicKeyToken=71e9bce111e9429c</Assembly>
+    <Class>Microsoft.Office.DocumentManagement.Internal.DocIdHandler</Class>
+    <Data/>
+    <Filter/>
+  </Receiver>
+  <Receiver>
+    <Name>Document ID Generator</Name>
+    <Synchronization>Synchronous</Synchronization>
+    <Type>10002</Type>
+    <SequenceNumber>1001</SequenceNumber>
+    <Assembly>Microsoft.Office.DocumentManagement, Version=14.0.0.0, Culture=neutral, PublicKeyToken=71e9bce111e9429c</Assembly>
+    <Class>Microsoft.Office.DocumentManagement.Internal.DocIdHandler</Class>
+    <Data/>
+    <Filter/>
+  </Receiver>
+  <Receiver>
+    <Name>Document ID Generator</Name>
+    <Synchronization>Synchronous</Synchronization>
+    <Type>10004</Type>
+    <SequenceNumber>1002</SequenceNumber>
+    <Assembly>Microsoft.Office.DocumentManagement, Version=14.0.0.0, Culture=neutral, PublicKeyToken=71e9bce111e9429c</Assembly>
+    <Class>Microsoft.Office.DocumentManagement.Internal.DocIdHandler</Class>
+    <Data/>
+    <Filter/>
+  </Receiver>
+  <Receiver>
+    <Name>Document ID Generator</Name>
+    <Synchronization>Synchronous</Synchronization>
+    <Type>10006</Type>
+    <SequenceNumber>1003</SequenceNumber>
+    <Assembly>Microsoft.Office.DocumentManagement, Version=14.0.0.0, Culture=neutral, PublicKeyToken=71e9bce111e9429c</Assembly>
+    <Class>Microsoft.Office.DocumentManagement.Internal.DocIdHandler</Class>
+    <Data/>
+    <Filter/>
+  </Receiver>
+</spe:Receivers>
 </file>
 
-<file path=customXml/itemProps3.xml><?xml version="1.0" encoding="utf-8"?>
+<file path=customXml/itemProps1.xml><?xml version="1.0" encoding="utf-8"?>
 <ds:datastoreItem xmlns:ds="http://schemas.openxmlformats.org/officeDocument/2006/customXml" ds:itemID="{2CCB749A-302B-4472-808A-B0214FE79943}">
   <ds:schemaRefs>
     <ds:schemaRef ds:uri="http://purl.org/dc/elements/1.1/"/>
@@ -8094,23 +8078,23 @@
 </ds:datastoreItem>
 </file>
 
-<file path=customXml/itemProps4.xml><?xml version="1.0" encoding="utf-8"?>
-<ds:datastoreItem xmlns:ds="http://schemas.openxmlformats.org/officeDocument/2006/customXml" ds:itemID="{983EC34C-22D8-4068-AB3C-5E7585486C0C}">
+<file path=customXml/itemProps2.xml><?xml version="1.0" encoding="utf-8"?>
+<ds:datastoreItem xmlns:ds="http://schemas.openxmlformats.org/officeDocument/2006/customXml" ds:itemID="{E8953E6F-761D-4711-8C2A-F792CF922FA7}">
   <ds:schemaRefs>
-    <ds:schemaRef ds:uri="http://schemas.microsoft.com/sharepoint/events"/>
+    <ds:schemaRef ds:uri="http://schemas.microsoft.com/office/2006/metadata/customXsn"/>
   </ds:schemaRefs>
 </ds:datastoreItem>
 </file>
 
-<file path=customXml/itemProps5.xml><?xml version="1.0" encoding="utf-8"?>
-<ds:datastoreItem xmlns:ds="http://schemas.openxmlformats.org/officeDocument/2006/customXml" ds:itemID="{7F89CFF2-C4C5-4188-8D24-35396AD089B7}">
+<file path=customXml/itemProps3.xml><?xml version="1.0" encoding="utf-8"?>
+<ds:datastoreItem xmlns:ds="http://schemas.openxmlformats.org/officeDocument/2006/customXml" ds:itemID="{D516AADE-CA40-4ECD-8442-C8DB3ADD0891}">
   <ds:schemaRefs>
-    <ds:schemaRef ds:uri="http://schemas.microsoft.com/sharepoint/v3/contenttype/forms"/>
+    <ds:schemaRef ds:uri="Microsoft.SharePoint.Taxonomy.ContentTypeSync"/>
   </ds:schemaRefs>
 </ds:datastoreItem>
 </file>
 
-<file path=customXml/itemProps6.xml><?xml version="1.0" encoding="utf-8"?>
+<file path=customXml/itemProps4.xml><?xml version="1.0" encoding="utf-8"?>
 <ds:datastoreItem xmlns:ds="http://schemas.openxmlformats.org/officeDocument/2006/customXml" ds:itemID="{48BD823A-ADD3-45E3-B00C-66C4C11FB0D5}">
   <ds:schemaRefs>
     <ds:schemaRef ds:uri="http://schemas.microsoft.com/office/2006/metadata/contentType"/>
@@ -8129,4 +8113,20 @@
     <ds:schemaRef ds:uri="http://schemas.microsoft.com/internal/obd"/>
   </ds:schemaRefs>
 </ds:datastoreItem>
+</file>
+
+<file path=customXml/itemProps5.xml><?xml version="1.0" encoding="utf-8"?>
+<ds:datastoreItem xmlns:ds="http://schemas.openxmlformats.org/officeDocument/2006/customXml" ds:itemID="{7F89CFF2-C4C5-4188-8D24-35396AD089B7}">
+  <ds:schemaRefs>
+    <ds:schemaRef ds:uri="http://schemas.microsoft.com/sharepoint/v3/contenttype/forms"/>
+  </ds:schemaRefs>
+</ds:datastoreItem>
+</file>
+
+<file path=customXml/itemProps6.xml><?xml version="1.0" encoding="utf-8"?>
+<ds:datastoreItem xmlns:ds="http://schemas.openxmlformats.org/officeDocument/2006/customXml" ds:itemID="{983EC34C-22D8-4068-AB3C-5E7585486C0C}">
+  <ds:schemaRefs>
+    <ds:schemaRef ds:uri="http://schemas.microsoft.com/sharepoint/events"/>
+  </ds:schemaRefs>
+</ds:datastoreItem>
 </file>